--- a/김다은/동아리 홍보.pptx
+++ b/김다은/동아리 홍보.pptx
@@ -2,7 +2,7 @@
 <file path=ppt/presentation.xml><?xml version="1.0" encoding="utf-8"?>
 <p:presentation xmlns:r="http://schemas.openxmlformats.org/officeDocument/2006/relationships" xmlns:c="http://schemas.openxmlformats.org/drawingml/2006/chart" xmlns:a="http://schemas.openxmlformats.org/drawingml/2006/main" xmlns:dgm="http://schemas.openxmlformats.org/drawingml/2006/diagram" xmlns:dsp="http://schemas.microsoft.com/office/drawing/2008/diagram" xmlns:p="http://schemas.openxmlformats.org/presentationml/2006/main" saveSubsetFonts="1">
   <p:sldMasterIdLst>
-    <p:sldMasterId id="2147483732" r:id="rId1"/>
+    <p:sldMasterId id="2147483730" r:id="rId1"/>
   </p:sldMasterIdLst>
   <p:sldIdLst>
     <p:sldId id="256" r:id="rId2"/>
@@ -3652,7 +3652,7 @@
         <p:spPr>
           <a:xfrm>
             <a:off x="0" y="1600199"/>
-            <a:ext cx="6858000" cy="3817620"/>
+            <a:ext cx="6858000" cy="3817621"/>
           </a:xfrm>
           <a:prstGeom prst="rect">
             <a:avLst/>
@@ -3721,7 +3721,10 @@
               </a:rPr>
               <a:t>♥</a:t>
             </a:r>
-            <a:endParaRPr lang="ko-KR" altLang="en-US" sz="3500">
+            <a:endParaRPr lang="ko-KR" altLang="en-US" sz="7000">
+              <a:solidFill>
+                <a:srgbClr val="ff0000"/>
+              </a:solidFill>
               <a:latin typeface="타이포_쌍문동 B"/>
               <a:ea typeface="타이포_쌍문동 B"/>
             </a:endParaRPr>
@@ -3997,6 +4000,30 @@
           </a:fontRef>
         </p:style>
       </p:cxnSp>
+      <p:pic>
+        <p:nvPicPr>
+          <p:cNvPr id="6" name=""/>
+          <p:cNvPicPr>
+            <a:picLocks noChangeAspect="1"/>
+          </p:cNvPicPr>
+          <p:nvPr/>
+        </p:nvPicPr>
+        <p:blipFill rotWithShape="1">
+          <a:blip r:embed="rId2"/>
+          <a:stretch>
+            <a:fillRect/>
+          </a:stretch>
+        </p:blipFill>
+        <p:spPr>
+          <a:xfrm>
+            <a:off x="1989207" y="7884794"/>
+            <a:ext cx="2877317" cy="1798323"/>
+          </a:xfrm>
+          <a:prstGeom prst="rect">
+            <a:avLst/>
+          </a:prstGeom>
+        </p:spPr>
+      </p:pic>
     </p:spTree>
   </p:cSld>
   <p:clrMapOvr>
